--- a/Français/2.Preparing data/1.Basic Transfrormations.pptx
+++ b/Français/2.Preparing data/1.Basic Transfrormations.pptx
@@ -210,7 +210,7 @@
           <a:p>
             <a:fld id="{056BA3B8-9F76-4D81-B71D-76CB85363062}" type="datetimeFigureOut">
               <a:rPr lang="en-US" smtClean="0"/>
-              <a:t>2/25/2025</a:t>
+              <a:t>3/4/2025</a:t>
             </a:fld>
             <a:endParaRPr lang="en-US"/>
           </a:p>
@@ -693,7 +693,7 @@
           <a:p>
             <a:fld id="{6F01DA4D-20EA-48D2-973C-0311EC3005D6}" type="datetimeFigureOut">
               <a:rPr lang="en-US" smtClean="0"/>
-              <a:t>2/25/2025</a:t>
+              <a:t>3/4/2025</a:t>
             </a:fld>
             <a:endParaRPr lang="en-US"/>
           </a:p>
@@ -863,7 +863,7 @@
           <a:p>
             <a:fld id="{6F01DA4D-20EA-48D2-973C-0311EC3005D6}" type="datetimeFigureOut">
               <a:rPr lang="en-US" smtClean="0"/>
-              <a:t>2/25/2025</a:t>
+              <a:t>3/4/2025</a:t>
             </a:fld>
             <a:endParaRPr lang="en-US"/>
           </a:p>
@@ -1043,7 +1043,7 @@
           <a:p>
             <a:fld id="{6F01DA4D-20EA-48D2-973C-0311EC3005D6}" type="datetimeFigureOut">
               <a:rPr lang="en-US" smtClean="0"/>
-              <a:t>2/25/2025</a:t>
+              <a:t>3/4/2025</a:t>
             </a:fld>
             <a:endParaRPr lang="en-US"/>
           </a:p>
@@ -1213,7 +1213,7 @@
           <a:p>
             <a:fld id="{6F01DA4D-20EA-48D2-973C-0311EC3005D6}" type="datetimeFigureOut">
               <a:rPr lang="en-US" smtClean="0"/>
-              <a:t>2/25/2025</a:t>
+              <a:t>3/4/2025</a:t>
             </a:fld>
             <a:endParaRPr lang="en-US"/>
           </a:p>
@@ -1459,7 +1459,7 @@
           <a:p>
             <a:fld id="{6F01DA4D-20EA-48D2-973C-0311EC3005D6}" type="datetimeFigureOut">
               <a:rPr lang="en-US" smtClean="0"/>
-              <a:t>2/25/2025</a:t>
+              <a:t>3/4/2025</a:t>
             </a:fld>
             <a:endParaRPr lang="en-US"/>
           </a:p>
@@ -1691,7 +1691,7 @@
           <a:p>
             <a:fld id="{6F01DA4D-20EA-48D2-973C-0311EC3005D6}" type="datetimeFigureOut">
               <a:rPr lang="en-US" smtClean="0"/>
-              <a:t>2/25/2025</a:t>
+              <a:t>3/4/2025</a:t>
             </a:fld>
             <a:endParaRPr lang="en-US"/>
           </a:p>
@@ -2058,7 +2058,7 @@
           <a:p>
             <a:fld id="{6F01DA4D-20EA-48D2-973C-0311EC3005D6}" type="datetimeFigureOut">
               <a:rPr lang="en-US" smtClean="0"/>
-              <a:t>2/25/2025</a:t>
+              <a:t>3/4/2025</a:t>
             </a:fld>
             <a:endParaRPr lang="en-US"/>
           </a:p>
@@ -2176,7 +2176,7 @@
           <a:p>
             <a:fld id="{6F01DA4D-20EA-48D2-973C-0311EC3005D6}" type="datetimeFigureOut">
               <a:rPr lang="en-US" smtClean="0"/>
-              <a:t>2/25/2025</a:t>
+              <a:t>3/4/2025</a:t>
             </a:fld>
             <a:endParaRPr lang="en-US"/>
           </a:p>
@@ -2271,7 +2271,7 @@
           <a:p>
             <a:fld id="{6F01DA4D-20EA-48D2-973C-0311EC3005D6}" type="datetimeFigureOut">
               <a:rPr lang="en-US" smtClean="0"/>
-              <a:t>2/25/2025</a:t>
+              <a:t>3/4/2025</a:t>
             </a:fld>
             <a:endParaRPr lang="en-US"/>
           </a:p>
@@ -2548,7 +2548,7 @@
           <a:p>
             <a:fld id="{6F01DA4D-20EA-48D2-973C-0311EC3005D6}" type="datetimeFigureOut">
               <a:rPr lang="en-US" smtClean="0"/>
-              <a:t>2/25/2025</a:t>
+              <a:t>3/4/2025</a:t>
             </a:fld>
             <a:endParaRPr lang="en-US"/>
           </a:p>
@@ -2801,7 +2801,7 @@
           <a:p>
             <a:fld id="{6F01DA4D-20EA-48D2-973C-0311EC3005D6}" type="datetimeFigureOut">
               <a:rPr lang="en-US" smtClean="0"/>
-              <a:t>2/25/2025</a:t>
+              <a:t>3/4/2025</a:t>
             </a:fld>
             <a:endParaRPr lang="en-US"/>
           </a:p>
@@ -3014,7 +3014,7 @@
           <a:p>
             <a:fld id="{6F01DA4D-20EA-48D2-973C-0311EC3005D6}" type="datetimeFigureOut">
               <a:rPr lang="en-US" smtClean="0"/>
-              <a:t>2/25/2025</a:t>
+              <a:t>3/4/2025</a:t>
             </a:fld>
             <a:endParaRPr lang="en-US"/>
           </a:p>
@@ -3459,18 +3459,7 @@
                 <a:ea typeface="Verdana" panose="020B0604030504040204" pitchFamily="34" charset="0"/>
                 <a:cs typeface="Segoe UI" panose="020B0502040204020203" pitchFamily="34" charset="0"/>
               </a:rPr>
-              <a:t>Les</a:t>
-            </a:r>
-            <a:r>
-              <a:rPr lang="en-US" sz="8000" b="1" dirty="0" smtClean="0">
-                <a:solidFill>
-                  <a:srgbClr val="7030A0"/>
-                </a:solidFill>
-                <a:latin typeface="Segoe UI" panose="020B0502040204020203" pitchFamily="34" charset="0"/>
-                <a:ea typeface="Verdana" panose="020B0604030504040204" pitchFamily="34" charset="0"/>
-                <a:cs typeface="Segoe UI" panose="020B0502040204020203" pitchFamily="34" charset="0"/>
-              </a:rPr>
-              <a:t> transformations</a:t>
+              <a:t>Les transformations</a:t>
             </a:r>
           </a:p>
           <a:p>
@@ -3529,18 +3518,7 @@
                 <a:ea typeface="Verdana" panose="020B0604030504040204" pitchFamily="34" charset="0"/>
                 <a:cs typeface="Segoe UI" panose="020B0502040204020203" pitchFamily="34" charset="0"/>
               </a:rPr>
-              <a:t>Les</a:t>
-            </a:r>
-            <a:r>
-              <a:rPr lang="en-US" sz="8000" b="1" dirty="0" smtClean="0">
-                <a:solidFill>
-                  <a:schemeClr val="bg1"/>
-                </a:solidFill>
-                <a:latin typeface="Segoe UI" panose="020B0502040204020203" pitchFamily="34" charset="0"/>
-                <a:ea typeface="Verdana" panose="020B0604030504040204" pitchFamily="34" charset="0"/>
-                <a:cs typeface="Segoe UI" panose="020B0502040204020203" pitchFamily="34" charset="0"/>
-              </a:rPr>
-              <a:t> transformations</a:t>
+              <a:t>Les transformations</a:t>
             </a:r>
           </a:p>
           <a:p>
@@ -5521,8 +5499,8 @@
         </p:blipFill>
         <p:spPr bwMode="auto">
           <a:xfrm>
-            <a:off x="2073498" y="2471126"/>
-            <a:ext cx="6300481" cy="3269656"/>
+            <a:off x="1479885" y="1973181"/>
+            <a:ext cx="8289758" cy="4224802"/>
           </a:xfrm>
           <a:prstGeom prst="rect">
             <a:avLst/>
@@ -5701,8 +5679,8 @@
         </p:blipFill>
         <p:spPr bwMode="auto">
           <a:xfrm>
-            <a:off x="409594" y="1465375"/>
-            <a:ext cx="5654322" cy="3924772"/>
+            <a:off x="963046" y="1465375"/>
+            <a:ext cx="8818627" cy="4839172"/>
           </a:xfrm>
           <a:prstGeom prst="rect">
             <a:avLst/>
@@ -5989,7 +5967,7 @@
         </p:blipFill>
         <p:spPr>
           <a:xfrm>
-            <a:off x="1197531" y="2257576"/>
+            <a:off x="728299" y="1812408"/>
             <a:ext cx="8716591" cy="2410161"/>
           </a:xfrm>
           <a:prstGeom prst="rect">
@@ -6005,7 +5983,7 @@
         </p:nvSpPr>
         <p:spPr>
           <a:xfrm>
-            <a:off x="1749267" y="2319453"/>
+            <a:off x="1280035" y="1874285"/>
             <a:ext cx="556890" cy="233756"/>
           </a:xfrm>
           <a:prstGeom prst="rect">
@@ -6053,7 +6031,7 @@
         </p:nvSpPr>
         <p:spPr>
           <a:xfrm>
-            <a:off x="8009594" y="2541973"/>
+            <a:off x="7540362" y="2096805"/>
             <a:ext cx="433136" cy="682490"/>
           </a:xfrm>
           <a:prstGeom prst="rect">
@@ -6101,7 +6079,7 @@
         </p:nvSpPr>
         <p:spPr>
           <a:xfrm>
-            <a:off x="8088657" y="3224464"/>
+            <a:off x="7619425" y="2779296"/>
             <a:ext cx="1660359" cy="206513"/>
           </a:xfrm>
           <a:prstGeom prst="rect">
@@ -6182,6 +6160,40 @@
           </a:p>
         </p:txBody>
       </p:sp>
+      <p:pic>
+        <p:nvPicPr>
+          <p:cNvPr id="4" name="Picture 3"/>
+          <p:cNvPicPr>
+            <a:picLocks noChangeAspect="1"/>
+          </p:cNvPicPr>
+          <p:nvPr/>
+        </p:nvPicPr>
+        <p:blipFill>
+          <a:blip r:embed="rId3"/>
+          <a:stretch>
+            <a:fillRect/>
+          </a:stretch>
+        </p:blipFill>
+        <p:spPr>
+          <a:xfrm>
+            <a:off x="1836925" y="3017488"/>
+            <a:ext cx="4791744" cy="1790950"/>
+          </a:xfrm>
+          <a:prstGeom prst="rect">
+            <a:avLst/>
+          </a:prstGeom>
+          <a:ln>
+            <a:noFill/>
+          </a:ln>
+          <a:effectLst>
+            <a:outerShdw blurRad="292100" dist="139700" dir="2700000" algn="tl" rotWithShape="0">
+              <a:srgbClr val="333333">
+                <a:alpha val="65000"/>
+              </a:srgbClr>
+            </a:outerShdw>
+          </a:effectLst>
+        </p:spPr>
+      </p:pic>
     </p:spTree>
     <p:extLst>
       <p:ext uri="{BB962C8B-B14F-4D97-AF65-F5344CB8AC3E}">

--- a/Français/2.Preparing data/1.Basic Transfrormations.pptx
+++ b/Français/2.Preparing data/1.Basic Transfrormations.pptx
@@ -5,7 +5,7 @@
     <p:sldMasterId id="2147483648" r:id="rId1"/>
   </p:sldMasterIdLst>
   <p:notesMasterIdLst>
-    <p:notesMasterId r:id="rId16"/>
+    <p:notesMasterId r:id="rId17"/>
   </p:notesMasterIdLst>
   <p:sldIdLst>
     <p:sldId id="256" r:id="rId2"/>
@@ -21,7 +21,8 @@
     <p:sldId id="262" r:id="rId12"/>
     <p:sldId id="263" r:id="rId13"/>
     <p:sldId id="269" r:id="rId14"/>
-    <p:sldId id="258" r:id="rId15"/>
+    <p:sldId id="270" r:id="rId15"/>
+    <p:sldId id="258" r:id="rId16"/>
   </p:sldIdLst>
   <p:sldSz cx="12192000" cy="6858000"/>
   <p:notesSz cx="6858000" cy="9144000"/>
@@ -210,7 +211,7 @@
           <a:p>
             <a:fld id="{056BA3B8-9F76-4D81-B71D-76CB85363062}" type="datetimeFigureOut">
               <a:rPr lang="en-US" smtClean="0"/>
-              <a:t>3/4/2025</a:t>
+              <a:t>3/12/2025</a:t>
             </a:fld>
             <a:endParaRPr lang="en-US"/>
           </a:p>
@@ -562,6 +563,90 @@
 </p:notes>
 </file>
 
+<file path=ppt/notesSlides/notesSlide2.xml><?xml version="1.0" encoding="utf-8"?>
+<p:notes xmlns:a="http://schemas.openxmlformats.org/drawingml/2006/main" xmlns:r="http://schemas.openxmlformats.org/officeDocument/2006/relationships" xmlns:p="http://schemas.openxmlformats.org/presentationml/2006/main">
+  <p:cSld>
+    <p:spTree>
+      <p:nvGrpSpPr>
+        <p:cNvPr id="1" name=""/>
+        <p:cNvGrpSpPr/>
+        <p:nvPr/>
+      </p:nvGrpSpPr>
+      <p:grpSpPr>
+        <a:xfrm>
+          <a:off x="0" y="0"/>
+          <a:ext cx="0" cy="0"/>
+          <a:chOff x="0" y="0"/>
+          <a:chExt cx="0" cy="0"/>
+        </a:xfrm>
+      </p:grpSpPr>
+      <p:sp>
+        <p:nvSpPr>
+          <p:cNvPr id="2" name="Slide Image Placeholder 1"/>
+          <p:cNvSpPr>
+            <a:spLocks noGrp="1" noRot="1" noChangeAspect="1"/>
+          </p:cNvSpPr>
+          <p:nvPr>
+            <p:ph type="sldImg"/>
+          </p:nvPr>
+        </p:nvSpPr>
+        <p:spPr/>
+      </p:sp>
+      <p:sp>
+        <p:nvSpPr>
+          <p:cNvPr id="3" name="Notes Placeholder 2"/>
+          <p:cNvSpPr>
+            <a:spLocks noGrp="1"/>
+          </p:cNvSpPr>
+          <p:nvPr>
+            <p:ph type="body" idx="1"/>
+          </p:nvPr>
+        </p:nvSpPr>
+        <p:spPr/>
+        <p:txBody>
+          <a:bodyPr/>
+          <a:lstStyle/>
+          <a:p>
+            <a:endParaRPr lang="en-US" dirty="0"/>
+          </a:p>
+        </p:txBody>
+      </p:sp>
+      <p:sp>
+        <p:nvSpPr>
+          <p:cNvPr id="4" name="Slide Number Placeholder 3"/>
+          <p:cNvSpPr>
+            <a:spLocks noGrp="1"/>
+          </p:cNvSpPr>
+          <p:nvPr>
+            <p:ph type="sldNum" sz="quarter" idx="10"/>
+          </p:nvPr>
+        </p:nvSpPr>
+        <p:spPr/>
+        <p:txBody>
+          <a:bodyPr/>
+          <a:lstStyle/>
+          <a:p>
+            <a:fld id="{C583D03D-12F8-4E91-BBC2-CE3A863157FF}" type="slidenum">
+              <a:rPr lang="en-US" smtClean="0"/>
+              <a:t>14</a:t>
+            </a:fld>
+            <a:endParaRPr lang="en-US"/>
+          </a:p>
+        </p:txBody>
+      </p:sp>
+    </p:spTree>
+    <p:extLst>
+      <p:ext uri="{BB962C8B-B14F-4D97-AF65-F5344CB8AC3E}">
+        <p14:creationId xmlns:p14="http://schemas.microsoft.com/office/powerpoint/2010/main" val="2324934725"/>
+      </p:ext>
+    </p:extLst>
+  </p:cSld>
+  <p:clrMapOvr>
+    <a:masterClrMapping/>
+  </p:clrMapOvr>
+</p:notes>
+</file>
+
 <file path=ppt/slideLayouts/slideLayout1.xml><?xml version="1.0" encoding="utf-8"?>
 <p:sldLayout xmlns:a="http://schemas.openxmlformats.org/drawingml/2006/main" xmlns:r="http://schemas.openxmlformats.org/officeDocument/2006/relationships" xmlns:p="http://schemas.openxmlformats.org/presentationml/2006/main" type="title" preserve="1">
   <p:cSld name="Title Slide">
@@ -693,7 +778,7 @@
           <a:p>
             <a:fld id="{6F01DA4D-20EA-48D2-973C-0311EC3005D6}" type="datetimeFigureOut">
               <a:rPr lang="en-US" smtClean="0"/>
-              <a:t>3/4/2025</a:t>
+              <a:t>3/12/2025</a:t>
             </a:fld>
             <a:endParaRPr lang="en-US"/>
           </a:p>
@@ -863,7 +948,7 @@
           <a:p>
             <a:fld id="{6F01DA4D-20EA-48D2-973C-0311EC3005D6}" type="datetimeFigureOut">
               <a:rPr lang="en-US" smtClean="0"/>
-              <a:t>3/4/2025</a:t>
+              <a:t>3/12/2025</a:t>
             </a:fld>
             <a:endParaRPr lang="en-US"/>
           </a:p>
@@ -1043,7 +1128,7 @@
           <a:p>
             <a:fld id="{6F01DA4D-20EA-48D2-973C-0311EC3005D6}" type="datetimeFigureOut">
               <a:rPr lang="en-US" smtClean="0"/>
-              <a:t>3/4/2025</a:t>
+              <a:t>3/12/2025</a:t>
             </a:fld>
             <a:endParaRPr lang="en-US"/>
           </a:p>
@@ -1213,7 +1298,7 @@
           <a:p>
             <a:fld id="{6F01DA4D-20EA-48D2-973C-0311EC3005D6}" type="datetimeFigureOut">
               <a:rPr lang="en-US" smtClean="0"/>
-              <a:t>3/4/2025</a:t>
+              <a:t>3/12/2025</a:t>
             </a:fld>
             <a:endParaRPr lang="en-US"/>
           </a:p>
@@ -1459,7 +1544,7 @@
           <a:p>
             <a:fld id="{6F01DA4D-20EA-48D2-973C-0311EC3005D6}" type="datetimeFigureOut">
               <a:rPr lang="en-US" smtClean="0"/>
-              <a:t>3/4/2025</a:t>
+              <a:t>3/12/2025</a:t>
             </a:fld>
             <a:endParaRPr lang="en-US"/>
           </a:p>
@@ -1691,7 +1776,7 @@
           <a:p>
             <a:fld id="{6F01DA4D-20EA-48D2-973C-0311EC3005D6}" type="datetimeFigureOut">
               <a:rPr lang="en-US" smtClean="0"/>
-              <a:t>3/4/2025</a:t>
+              <a:t>3/12/2025</a:t>
             </a:fld>
             <a:endParaRPr lang="en-US"/>
           </a:p>
@@ -2058,7 +2143,7 @@
           <a:p>
             <a:fld id="{6F01DA4D-20EA-48D2-973C-0311EC3005D6}" type="datetimeFigureOut">
               <a:rPr lang="en-US" smtClean="0"/>
-              <a:t>3/4/2025</a:t>
+              <a:t>3/12/2025</a:t>
             </a:fld>
             <a:endParaRPr lang="en-US"/>
           </a:p>
@@ -2176,7 +2261,7 @@
           <a:p>
             <a:fld id="{6F01DA4D-20EA-48D2-973C-0311EC3005D6}" type="datetimeFigureOut">
               <a:rPr lang="en-US" smtClean="0"/>
-              <a:t>3/4/2025</a:t>
+              <a:t>3/12/2025</a:t>
             </a:fld>
             <a:endParaRPr lang="en-US"/>
           </a:p>
@@ -2271,7 +2356,7 @@
           <a:p>
             <a:fld id="{6F01DA4D-20EA-48D2-973C-0311EC3005D6}" type="datetimeFigureOut">
               <a:rPr lang="en-US" smtClean="0"/>
-              <a:t>3/4/2025</a:t>
+              <a:t>3/12/2025</a:t>
             </a:fld>
             <a:endParaRPr lang="en-US"/>
           </a:p>
@@ -2548,7 +2633,7 @@
           <a:p>
             <a:fld id="{6F01DA4D-20EA-48D2-973C-0311EC3005D6}" type="datetimeFigureOut">
               <a:rPr lang="en-US" smtClean="0"/>
-              <a:t>3/4/2025</a:t>
+              <a:t>3/12/2025</a:t>
             </a:fld>
             <a:endParaRPr lang="en-US"/>
           </a:p>
@@ -2801,7 +2886,7 @@
           <a:p>
             <a:fld id="{6F01DA4D-20EA-48D2-973C-0311EC3005D6}" type="datetimeFigureOut">
               <a:rPr lang="en-US" smtClean="0"/>
-              <a:t>3/4/2025</a:t>
+              <a:t>3/12/2025</a:t>
             </a:fld>
             <a:endParaRPr lang="en-US"/>
           </a:p>
@@ -3014,7 +3099,7 @@
           <a:p>
             <a:fld id="{6F01DA4D-20EA-48D2-973C-0311EC3005D6}" type="datetimeFigureOut">
               <a:rPr lang="en-US" smtClean="0"/>
-              <a:t>3/4/2025</a:t>
+              <a:t>3/12/2025</a:t>
             </a:fld>
             <a:endParaRPr lang="en-US"/>
           </a:p>
@@ -5266,6 +5351,335 @@
 <file path=ppt/slides/slide14.xml><?xml version="1.0" encoding="utf-8"?>
 <p:sld xmlns:a="http://schemas.openxmlformats.org/drawingml/2006/main" xmlns:r="http://schemas.openxmlformats.org/officeDocument/2006/relationships" xmlns:p="http://schemas.openxmlformats.org/presentationml/2006/main">
   <p:cSld>
+    <p:spTree>
+      <p:nvGrpSpPr>
+        <p:cNvPr id="1" name=""/>
+        <p:cNvGrpSpPr/>
+        <p:nvPr/>
+      </p:nvGrpSpPr>
+      <p:grpSpPr>
+        <a:xfrm>
+          <a:off x="0" y="0"/>
+          <a:ext cx="0" cy="0"/>
+          <a:chOff x="0" y="0"/>
+          <a:chExt cx="0" cy="0"/>
+        </a:xfrm>
+      </p:grpSpPr>
+      <p:sp>
+        <p:nvSpPr>
+          <p:cNvPr id="3" name="Rectangle 2"/>
+          <p:cNvSpPr/>
+          <p:nvPr/>
+        </p:nvSpPr>
+        <p:spPr>
+          <a:xfrm>
+            <a:off x="288081" y="322379"/>
+            <a:ext cx="2579552" cy="369332"/>
+          </a:xfrm>
+          <a:prstGeom prst="rect">
+            <a:avLst/>
+          </a:prstGeom>
+        </p:spPr>
+        <p:txBody>
+          <a:bodyPr wrap="none">
+            <a:spAutoFit/>
+          </a:bodyPr>
+          <a:lstStyle/>
+          <a:p>
+            <a:r>
+              <a:rPr lang="en-US" b="1" kern="0" dirty="0" smtClean="0">
+                <a:latin typeface="Segoe UI" panose="020B0502040204020203" pitchFamily="34" charset="0"/>
+                <a:ea typeface="Times New Roman" panose="02020603050405020304" pitchFamily="18" charset="0"/>
+                <a:cs typeface="Times New Roman" panose="02020603050405020304" pitchFamily="18" charset="0"/>
+              </a:rPr>
+              <a:t>Basic Transformations</a:t>
+            </a:r>
+            <a:endParaRPr lang="en-US" b="1" dirty="0"/>
+          </a:p>
+        </p:txBody>
+      </p:sp>
+      <p:sp>
+        <p:nvSpPr>
+          <p:cNvPr id="6" name="Rectangle 5"/>
+          <p:cNvSpPr/>
+          <p:nvPr/>
+        </p:nvSpPr>
+        <p:spPr>
+          <a:xfrm>
+            <a:off x="288081" y="896759"/>
+            <a:ext cx="11156139" cy="1065676"/>
+          </a:xfrm>
+          <a:prstGeom prst="rect">
+            <a:avLst/>
+          </a:prstGeom>
+        </p:spPr>
+        <p:txBody>
+          <a:bodyPr wrap="square">
+            <a:spAutoFit/>
+          </a:bodyPr>
+          <a:lstStyle/>
+          <a:p>
+            <a:pPr lvl="0">
+              <a:lnSpc>
+                <a:spcPct val="107000"/>
+              </a:lnSpc>
+              <a:spcAft>
+                <a:spcPts val="800"/>
+              </a:spcAft>
+            </a:pPr>
+            <a:r>
+              <a:rPr lang="fr-FR" sz="2000" dirty="0"/>
+              <a:t>Remarquez que la première ligne affiche un soi-disant caractère non imprimable </a:t>
+            </a:r>
+            <a:r>
+              <a:rPr lang="fr-FR" sz="2000" b="1" dirty="0"/>
+              <a:t>§</a:t>
+            </a:r>
+            <a:r>
+              <a:rPr lang="fr-FR" sz="2000" dirty="0"/>
+              <a:t>, et que sur la troisième ligne, il y a également un espace incorrect dans le nom</a:t>
+            </a:r>
+            <a:br>
+              <a:rPr lang="fr-FR" sz="2000" dirty="0"/>
+            </a:br>
+            <a:r>
+              <a:rPr lang="fr-FR" sz="2000" dirty="0"/>
+              <a:t>Essayez de supprimer le caractère indésirable</a:t>
+            </a:r>
+            <a:endParaRPr lang="en-US" sz="2400" dirty="0">
+              <a:effectLst/>
+              <a:latin typeface="Calibri" panose="020F0502020204030204" pitchFamily="34" charset="0"/>
+              <a:ea typeface="Calibri" panose="020F0502020204030204" pitchFamily="34" charset="0"/>
+              <a:cs typeface="Times New Roman" panose="02020603050405020304" pitchFamily="18" charset="0"/>
+            </a:endParaRPr>
+          </a:p>
+        </p:txBody>
+      </p:sp>
+      <p:pic>
+        <p:nvPicPr>
+          <p:cNvPr id="2" name="Picture 1"/>
+          <p:cNvPicPr>
+            <a:picLocks noChangeAspect="1"/>
+          </p:cNvPicPr>
+          <p:nvPr/>
+        </p:nvPicPr>
+        <p:blipFill>
+          <a:blip r:embed="rId3"/>
+          <a:stretch>
+            <a:fillRect/>
+          </a:stretch>
+        </p:blipFill>
+        <p:spPr>
+          <a:xfrm>
+            <a:off x="356951" y="2167566"/>
+            <a:ext cx="4925112" cy="1752845"/>
+          </a:xfrm>
+          <a:prstGeom prst="rect">
+            <a:avLst/>
+          </a:prstGeom>
+        </p:spPr>
+      </p:pic>
+      <p:sp>
+        <p:nvSpPr>
+          <p:cNvPr id="12" name="Rectangle 11"/>
+          <p:cNvSpPr/>
+          <p:nvPr/>
+        </p:nvSpPr>
+        <p:spPr>
+          <a:xfrm>
+            <a:off x="2481944" y="3086960"/>
+            <a:ext cx="1698170" cy="226882"/>
+          </a:xfrm>
+          <a:prstGeom prst="rect">
+            <a:avLst/>
+          </a:prstGeom>
+          <a:solidFill>
+            <a:srgbClr val="FF0000">
+              <a:alpha val="26000"/>
+            </a:srgbClr>
+          </a:solidFill>
+          <a:ln>
+            <a:noFill/>
+          </a:ln>
+        </p:spPr>
+        <p:style>
+          <a:lnRef idx="2">
+            <a:schemeClr val="accent1">
+              <a:shade val="50000"/>
+            </a:schemeClr>
+          </a:lnRef>
+          <a:fillRef idx="1">
+            <a:schemeClr val="accent1"/>
+          </a:fillRef>
+          <a:effectRef idx="0">
+            <a:schemeClr val="accent1"/>
+          </a:effectRef>
+          <a:fontRef idx="minor">
+            <a:schemeClr val="lt1"/>
+          </a:fontRef>
+        </p:style>
+        <p:txBody>
+          <a:bodyPr rtlCol="0" anchor="ctr"/>
+          <a:lstStyle/>
+          <a:p>
+            <a:pPr algn="ctr"/>
+            <a:endParaRPr lang="en-US"/>
+          </a:p>
+        </p:txBody>
+      </p:sp>
+      <p:pic>
+        <p:nvPicPr>
+          <p:cNvPr id="8" name="Picture 7"/>
+          <p:cNvPicPr>
+            <a:picLocks noChangeAspect="1"/>
+          </p:cNvPicPr>
+          <p:nvPr/>
+        </p:nvPicPr>
+        <p:blipFill>
+          <a:blip r:embed="rId4"/>
+          <a:stretch>
+            <a:fillRect/>
+          </a:stretch>
+        </p:blipFill>
+        <p:spPr>
+          <a:xfrm>
+            <a:off x="5675521" y="2167566"/>
+            <a:ext cx="5768699" cy="3338067"/>
+          </a:xfrm>
+          <a:prstGeom prst="rect">
+            <a:avLst/>
+          </a:prstGeom>
+        </p:spPr>
+      </p:pic>
+      <p:cxnSp>
+        <p:nvCxnSpPr>
+          <p:cNvPr id="15" name="Straight Arrow Connector 14"/>
+          <p:cNvCxnSpPr/>
+          <p:nvPr/>
+        </p:nvCxnSpPr>
+        <p:spPr>
+          <a:xfrm flipV="1">
+            <a:off x="4613251" y="3920411"/>
+            <a:ext cx="1252899" cy="416114"/>
+          </a:xfrm>
+          <a:prstGeom prst="straightConnector1">
+            <a:avLst/>
+          </a:prstGeom>
+          <a:ln>
+            <a:solidFill>
+              <a:srgbClr val="FF0000"/>
+            </a:solidFill>
+            <a:tailEnd type="triangle"/>
+          </a:ln>
+        </p:spPr>
+        <p:style>
+          <a:lnRef idx="3">
+            <a:schemeClr val="accent2"/>
+          </a:lnRef>
+          <a:fillRef idx="0">
+            <a:schemeClr val="accent2"/>
+          </a:fillRef>
+          <a:effectRef idx="2">
+            <a:schemeClr val="accent2"/>
+          </a:effectRef>
+          <a:fontRef idx="minor">
+            <a:schemeClr val="tx1"/>
+          </a:fontRef>
+        </p:style>
+      </p:cxnSp>
+      <p:sp>
+        <p:nvSpPr>
+          <p:cNvPr id="4" name="Rectangle 3"/>
+          <p:cNvSpPr/>
+          <p:nvPr/>
+        </p:nvSpPr>
+        <p:spPr>
+          <a:xfrm>
+            <a:off x="288081" y="4151859"/>
+            <a:ext cx="3961662" cy="400110"/>
+          </a:xfrm>
+          <a:prstGeom prst="rect">
+            <a:avLst/>
+          </a:prstGeom>
+        </p:spPr>
+        <p:txBody>
+          <a:bodyPr wrap="none">
+            <a:spAutoFit/>
+          </a:bodyPr>
+          <a:lstStyle/>
+          <a:p>
+            <a:r>
+              <a:rPr lang="fr-FR" sz="2000" dirty="0"/>
+              <a:t>Regardez dans les </a:t>
+            </a:r>
+            <a:r>
+              <a:rPr lang="fr-FR" sz="2000" b="1" dirty="0"/>
+              <a:t>Options avancées</a:t>
+            </a:r>
+            <a:endParaRPr lang="en-US" sz="2000" dirty="0"/>
+          </a:p>
+        </p:txBody>
+      </p:sp>
+      <p:sp>
+        <p:nvSpPr>
+          <p:cNvPr id="5" name="Rectangle 4"/>
+          <p:cNvSpPr/>
+          <p:nvPr/>
+        </p:nvSpPr>
+        <p:spPr>
+          <a:xfrm>
+            <a:off x="213059" y="4760711"/>
+            <a:ext cx="4314643" cy="707886"/>
+          </a:xfrm>
+          <a:prstGeom prst="rect">
+            <a:avLst/>
+          </a:prstGeom>
+        </p:spPr>
+        <p:txBody>
+          <a:bodyPr wrap="none">
+            <a:spAutoFit/>
+          </a:bodyPr>
+          <a:lstStyle/>
+          <a:p>
+            <a:r>
+              <a:rPr lang="fr-FR" sz="2000" dirty="0"/>
+              <a:t>Essayez l’option </a:t>
+            </a:r>
+            <a:r>
+              <a:rPr lang="fr-FR" sz="2000" b="1" dirty="0"/>
+              <a:t>Remplacer en utilisant </a:t>
+            </a:r>
+            <a:endParaRPr lang="fr-FR" sz="2000" b="1" dirty="0" smtClean="0"/>
+          </a:p>
+          <a:p>
+            <a:r>
+              <a:rPr lang="fr-FR" sz="2000" b="1" dirty="0" smtClean="0"/>
+              <a:t>un </a:t>
+            </a:r>
+            <a:r>
+              <a:rPr lang="fr-FR" sz="2000" b="1" dirty="0"/>
+              <a:t>caractère spécial</a:t>
+            </a:r>
+            <a:endParaRPr lang="en-US" sz="2000" dirty="0"/>
+          </a:p>
+        </p:txBody>
+      </p:sp>
+    </p:spTree>
+    <p:extLst>
+      <p:ext uri="{BB962C8B-B14F-4D97-AF65-F5344CB8AC3E}">
+        <p14:creationId xmlns:p14="http://schemas.microsoft.com/office/powerpoint/2010/main" val="2132278899"/>
+      </p:ext>
+    </p:extLst>
+  </p:cSld>
+  <p:clrMapOvr>
+    <a:masterClrMapping/>
+  </p:clrMapOvr>
+</p:sld>
+</file>
+
+<file path=ppt/slides/slide15.xml><?xml version="1.0" encoding="utf-8"?>
+<p:sld xmlns:a="http://schemas.openxmlformats.org/drawingml/2006/main" xmlns:r="http://schemas.openxmlformats.org/officeDocument/2006/relationships" xmlns:p="http://schemas.openxmlformats.org/presentationml/2006/main">
+  <p:cSld>
     <p:bg>
       <p:bgPr>
         <a:solidFill>
@@ -5499,8 +5913,8 @@
         </p:blipFill>
         <p:spPr bwMode="auto">
           <a:xfrm>
-            <a:off x="1479885" y="1973181"/>
-            <a:ext cx="8289758" cy="4224802"/>
+            <a:off x="1471291" y="1959427"/>
+            <a:ext cx="8133348" cy="4135427"/>
           </a:xfrm>
           <a:prstGeom prst="rect">
             <a:avLst/>
